--- a/Documentation/powerpointCS.pptx
+++ b/Documentation/powerpointCS.pptx
@@ -15,9 +15,8 @@
     <p:sldId id="263" r:id="rId9"/>
     <p:sldId id="264" r:id="rId10"/>
     <p:sldId id="265" r:id="rId11"/>
-    <p:sldId id="266" r:id="rId12"/>
-    <p:sldId id="267" r:id="rId13"/>
-    <p:sldId id="268" r:id="rId14"/>
+    <p:sldId id="267" r:id="rId12"/>
+    <p:sldId id="268" r:id="rId13"/>
   </p:sldIdLst>
   <p:sldSz cx="12192000" cy="6858000"/>
   <p:notesSz cx="6858000" cy="9144000"/>
@@ -116,6 +115,11 @@
       </a:defRPr>
     </a:lvl9pPr>
   </p:defaultTextStyle>
+  <p:extLst>
+    <p:ext uri="{EFAFB233-063F-42B5-8137-9DF3F51BA10A}">
+      <p15:sldGuideLst xmlns:p15="http://schemas.microsoft.com/office/powerpoint/2012/main"/>
+    </p:ext>
+  </p:extLst>
 </p:presentation>
 </file>
 
@@ -3588,89 +3592,6 @@
           <p:cNvPr id="2" name="Title 1">
             <a:extLst>
               <a:ext uri="{FF2B5EF4-FFF2-40B4-BE49-F238E27FC236}">
-                <a16:creationId xmlns:a16="http://schemas.microsoft.com/office/drawing/2014/main" id="{5F551F53-741F-4D09-93F8-D61C4C60BAD7}"/>
-              </a:ext>
-            </a:extLst>
-          </p:cNvPr>
-          <p:cNvSpPr>
-            <a:spLocks noGrp="1"/>
-          </p:cNvSpPr>
-          <p:nvPr>
-            <p:ph type="title"/>
-          </p:nvPr>
-        </p:nvSpPr>
-        <p:spPr/>
-        <p:txBody>
-          <a:bodyPr/>
-          <a:lstStyle/>
-          <a:p>
-            <a:r>
-              <a:rPr lang="en-GB" dirty="0"/>
-              <a:t>Summary</a:t>
-            </a:r>
-          </a:p>
-        </p:txBody>
-      </p:sp>
-      <p:sp>
-        <p:nvSpPr>
-          <p:cNvPr id="3" name="Content Placeholder 2">
-            <a:extLst>
-              <a:ext uri="{FF2B5EF4-FFF2-40B4-BE49-F238E27FC236}">
-                <a16:creationId xmlns:a16="http://schemas.microsoft.com/office/drawing/2014/main" id="{EA6D10CC-3E16-47B0-8DA3-605D63D89CA9}"/>
-              </a:ext>
-            </a:extLst>
-          </p:cNvPr>
-          <p:cNvSpPr>
-            <a:spLocks noGrp="1"/>
-          </p:cNvSpPr>
-          <p:nvPr>
-            <p:ph idx="1"/>
-          </p:nvPr>
-        </p:nvSpPr>
-        <p:spPr/>
-        <p:txBody>
-          <a:bodyPr/>
-          <a:lstStyle/>
-          <a:p>
-            <a:endParaRPr lang="en-GB"/>
-          </a:p>
-        </p:txBody>
-      </p:sp>
-    </p:spTree>
-    <p:extLst>
-      <p:ext uri="{BB962C8B-B14F-4D97-AF65-F5344CB8AC3E}">
-        <p14:creationId xmlns:p14="http://schemas.microsoft.com/office/powerpoint/2010/main" val="3489362135"/>
-      </p:ext>
-    </p:extLst>
-  </p:cSld>
-  <p:clrMapOvr>
-    <a:masterClrMapping/>
-  </p:clrMapOvr>
-</p:sld>
-</file>
-
-<file path=ppt/slides/slide12.xml><?xml version="1.0" encoding="utf-8"?>
-<p:sld xmlns:a="http://schemas.openxmlformats.org/drawingml/2006/main" xmlns:r="http://schemas.openxmlformats.org/officeDocument/2006/relationships" xmlns:p="http://schemas.openxmlformats.org/presentationml/2006/main">
-  <p:cSld>
-    <p:spTree>
-      <p:nvGrpSpPr>
-        <p:cNvPr id="1" name=""/>
-        <p:cNvGrpSpPr/>
-        <p:nvPr/>
-      </p:nvGrpSpPr>
-      <p:grpSpPr>
-        <a:xfrm>
-          <a:off x="0" y="0"/>
-          <a:ext cx="0" cy="0"/>
-          <a:chOff x="0" y="0"/>
-          <a:chExt cx="0" cy="0"/>
-        </a:xfrm>
-      </p:grpSpPr>
-      <p:sp>
-        <p:nvSpPr>
-          <p:cNvPr id="2" name="Title 1">
-            <a:extLst>
-              <a:ext uri="{FF2B5EF4-FFF2-40B4-BE49-F238E27FC236}">
                 <a16:creationId xmlns:a16="http://schemas.microsoft.com/office/drawing/2014/main" id="{6C37441C-8E2C-414D-BB4B-A0C71A0CA605}"/>
               </a:ext>
             </a:extLst>
@@ -3712,7 +3633,7 @@
 </p:sld>
 </file>
 
-<file path=ppt/slides/slide13.xml><?xml version="1.0" encoding="utf-8"?>
+<file path=ppt/slides/slide12.xml><?xml version="1.0" encoding="utf-8"?>
 <p:sld xmlns:a="http://schemas.openxmlformats.org/drawingml/2006/main" xmlns:r="http://schemas.openxmlformats.org/officeDocument/2006/relationships" xmlns:p="http://schemas.openxmlformats.org/presentationml/2006/main">
   <p:cSld>
     <p:spTree>
